--- a/Tymara Manu Fepale - 000_91896 _ 91897 Documentation - 2444936.pptx
+++ b/Tymara Manu Fepale - 000_91896 _ 91897 Documentation - 2444936.pptx
@@ -9013,13 +9013,87 @@
               <a:buNone/>
             </a:pPr>
             <a:r>
+              <a:rPr lang="en" dirty="0"/>
+              <a:t>Component 1 (Trello </a:t>
+            </a:r>
+            <a:r>
               <a:rPr lang="en"/>
-              <a:t>Component 1 (Trello screenshot)</a:t>
+              <a:t>screenshot)</a:t>
             </a:r>
-            <a:endParaRPr/>
+            <a:br>
+              <a:rPr lang="en"/>
+            </a:br>
+            <a:br>
+              <a:rPr lang="en"/>
+            </a:br>
+            <a:r>
+              <a:rPr lang="en"/>
+              <a:t>Version 1                           Version 2</a:t>
+            </a:r>
+            <a:endParaRPr dirty="0"/>
           </a:p>
         </p:txBody>
       </p:sp>
+      <p:pic>
+        <p:nvPicPr>
+          <p:cNvPr id="2" name="Picture 1">
+            <a:extLst>
+              <a:ext uri="{FF2B5EF4-FFF2-40B4-BE49-F238E27FC236}">
+                <a16:creationId xmlns:a16="http://schemas.microsoft.com/office/drawing/2014/main" id="{C7558FE6-5CB2-4B07-99AE-58B223883875}"/>
+              </a:ext>
+            </a:extLst>
+          </p:cNvPr>
+          <p:cNvPicPr>
+            <a:picLocks noChangeAspect="1"/>
+          </p:cNvPicPr>
+          <p:nvPr/>
+        </p:nvPicPr>
+        <p:blipFill>
+          <a:blip r:embed="rId3"/>
+          <a:stretch>
+            <a:fillRect/>
+          </a:stretch>
+        </p:blipFill>
+        <p:spPr>
+          <a:xfrm>
+            <a:off x="0" y="2073443"/>
+            <a:ext cx="4189228" cy="1769204"/>
+          </a:xfrm>
+          <a:prstGeom prst="rect">
+            <a:avLst/>
+          </a:prstGeom>
+        </p:spPr>
+      </p:pic>
+      <p:pic>
+        <p:nvPicPr>
+          <p:cNvPr id="4" name="Picture 3">
+            <a:extLst>
+              <a:ext uri="{FF2B5EF4-FFF2-40B4-BE49-F238E27FC236}">
+                <a16:creationId xmlns:a16="http://schemas.microsoft.com/office/drawing/2014/main" id="{EFD3D98A-10EA-4DFF-BCEA-B6AA163CC4FB}"/>
+              </a:ext>
+            </a:extLst>
+          </p:cNvPr>
+          <p:cNvPicPr>
+            <a:picLocks noChangeAspect="1"/>
+          </p:cNvPicPr>
+          <p:nvPr/>
+        </p:nvPicPr>
+        <p:blipFill>
+          <a:blip r:embed="rId4"/>
+          <a:stretch>
+            <a:fillRect/>
+          </a:stretch>
+        </p:blipFill>
+        <p:spPr>
+          <a:xfrm>
+            <a:off x="4338548" y="2073443"/>
+            <a:ext cx="4805452" cy="1777672"/>
+          </a:xfrm>
+          <a:prstGeom prst="rect">
+            <a:avLst/>
+          </a:prstGeom>
+        </p:spPr>
+      </p:pic>
     </p:spTree>
   </p:cSld>
   <p:clrMapOvr>
@@ -9091,11 +9165,17 @@
         <p:nvGraphicFramePr>
           <p:cNvPr id="79" name="Google Shape;79;p17"/>
           <p:cNvGraphicFramePr/>
-          <p:nvPr/>
+          <p:nvPr>
+            <p:extLst>
+              <p:ext uri="{D42A27DB-BD31-4B8C-83A1-F6EECF244321}">
+                <p14:modId xmlns:p14="http://schemas.microsoft.com/office/powerpoint/2010/main" val="3189553092"/>
+              </p:ext>
+            </p:extLst>
+          </p:nvPr>
         </p:nvGraphicFramePr>
         <p:xfrm>
-          <a:off x="382475" y="1267725"/>
-          <a:ext cx="8520600" cy="914340"/>
+          <a:off x="311700" y="3406200"/>
+          <a:ext cx="8396366" cy="1737300"/>
         </p:xfrm>
         <a:graphic>
           <a:graphicData uri="http://schemas.openxmlformats.org/drawingml/2006/table">
@@ -9105,14 +9185,14 @@
                 <a:tableStyleId>{E1099E06-0E6B-448D-9D27-60429F06E6F4}</a:tableStyleId>
               </a:tblPr>
               <a:tblGrid>
-                <a:gridCol w="4260300">
+                <a:gridCol w="4198183">
                   <a:extLst>
                     <a:ext uri="{9D8B030D-6E8A-4147-A177-3AD203B41FA5}">
                       <a16:colId xmlns:a16="http://schemas.microsoft.com/office/drawing/2014/main" val="20000"/>
                     </a:ext>
                   </a:extLst>
                 </a:gridCol>
-                <a:gridCol w="4260300">
+                <a:gridCol w="4198183">
                   <a:extLst>
                     <a:ext uri="{9D8B030D-6E8A-4147-A177-3AD203B41FA5}">
                       <a16:colId xmlns:a16="http://schemas.microsoft.com/office/drawing/2014/main" val="20001"/>
@@ -9120,7 +9200,7 @@
                   </a:extLst>
                 </a:gridCol>
               </a:tblGrid>
-              <a:tr h="381000">
+              <a:tr h="373931">
                 <a:tc>
                   <a:txBody>
                     <a:bodyPr/>
@@ -9136,10 +9216,10 @@
                         <a:buNone/>
                       </a:pPr>
                       <a:r>
-                        <a:rPr lang="en" sz="1800" b="1"/>
+                        <a:rPr lang="en" sz="1800" b="1" dirty="0"/>
                         <a:t>Test Case</a:t>
                       </a:r>
-                      <a:endParaRPr sz="1800" b="1"/>
+                      <a:endParaRPr sz="1800" b="1" dirty="0"/>
                     </a:p>
                   </a:txBody>
                   <a:tcPr marL="91425" marR="91425" marT="91425" marB="91425">
@@ -9181,7 +9261,7 @@
                   </a:ext>
                 </a:extLst>
               </a:tr>
-              <a:tr h="396200">
+              <a:tr h="1047050">
                 <a:tc>
                   <a:txBody>
                     <a:bodyPr/>
@@ -9196,7 +9276,11 @@
                         </a:spcAft>
                         <a:buNone/>
                       </a:pPr>
-                      <a:endParaRPr sz="1800"/>
+                      <a:r>
+                        <a:rPr lang="en-US" sz="1800" dirty="0"/>
+                        <a:t>Run Program </a:t>
+                      </a:r>
+                      <a:endParaRPr sz="1800" dirty="0"/>
                     </a:p>
                   </a:txBody>
                   <a:tcPr marL="91425" marR="91425" marT="91425" marB="91425"/>
@@ -9205,6 +9289,31 @@
                   <a:txBody>
                     <a:bodyPr/>
                     <a:lstStyle/>
+                    <a:p>
+                      <a:pPr marL="0" marR="0" lvl="0" indent="0" algn="l" defTabSz="914400" rtl="0" eaLnBrk="1" fontAlgn="auto" latinLnBrk="0" hangingPunct="1">
+                        <a:lnSpc>
+                          <a:spcPct val="100000"/>
+                        </a:lnSpc>
+                        <a:spcBef>
+                          <a:spcPts val="0"/>
+                        </a:spcBef>
+                        <a:spcAft>
+                          <a:spcPts val="0"/>
+                        </a:spcAft>
+                        <a:buClr>
+                          <a:srgbClr val="000000"/>
+                        </a:buClr>
+                        <a:buSzTx/>
+                        <a:buFont typeface="Arial"/>
+                        <a:buNone/>
+                        <a:tabLst/>
+                        <a:defRPr/>
+                      </a:pPr>
+                      <a:r>
+                        <a:rPr lang="en-NZ" sz="1800" dirty="0"/>
+                        <a:t>Print welcome message with random name from list of names – Runs correctly</a:t>
+                      </a:r>
+                    </a:p>
                     <a:p>
                       <a:pPr marL="0" lvl="0" indent="0" algn="l" rtl="0">
                         <a:spcBef>
@@ -9215,7 +9324,7 @@
                         </a:spcAft>
                         <a:buNone/>
                       </a:pPr>
-                      <a:endParaRPr sz="1800"/>
+                      <a:endParaRPr sz="1800" dirty="0"/>
                     </a:p>
                   </a:txBody>
                   <a:tcPr marL="91425" marR="91425" marT="91425" marB="91425"/>
@@ -9230,6 +9339,66 @@
           </a:graphicData>
         </a:graphic>
       </p:graphicFrame>
+      <p:pic>
+        <p:nvPicPr>
+          <p:cNvPr id="2" name="Picture 1">
+            <a:extLst>
+              <a:ext uri="{FF2B5EF4-FFF2-40B4-BE49-F238E27FC236}">
+                <a16:creationId xmlns:a16="http://schemas.microsoft.com/office/drawing/2014/main" id="{B771016F-6CF6-4517-B4C7-5D7C02CDDA48}"/>
+              </a:ext>
+            </a:extLst>
+          </p:cNvPr>
+          <p:cNvPicPr>
+            <a:picLocks noChangeAspect="1"/>
+          </p:cNvPicPr>
+          <p:nvPr/>
+        </p:nvPicPr>
+        <p:blipFill>
+          <a:blip r:embed="rId3"/>
+          <a:stretch>
+            <a:fillRect/>
+          </a:stretch>
+        </p:blipFill>
+        <p:spPr>
+          <a:xfrm>
+            <a:off x="88221" y="1513460"/>
+            <a:ext cx="4887816" cy="1705679"/>
+          </a:xfrm>
+          <a:prstGeom prst="rect">
+            <a:avLst/>
+          </a:prstGeom>
+        </p:spPr>
+      </p:pic>
+      <p:pic>
+        <p:nvPicPr>
+          <p:cNvPr id="3" name="Picture 2">
+            <a:extLst>
+              <a:ext uri="{FF2B5EF4-FFF2-40B4-BE49-F238E27FC236}">
+                <a16:creationId xmlns:a16="http://schemas.microsoft.com/office/drawing/2014/main" id="{2D76E2B2-DF6A-4347-8906-BF432CC2B4F6}"/>
+              </a:ext>
+            </a:extLst>
+          </p:cNvPr>
+          <p:cNvPicPr>
+            <a:picLocks noChangeAspect="1"/>
+          </p:cNvPicPr>
+          <p:nvPr/>
+        </p:nvPicPr>
+        <p:blipFill>
+          <a:blip r:embed="rId4"/>
+          <a:stretch>
+            <a:fillRect/>
+          </a:stretch>
+        </p:blipFill>
+        <p:spPr>
+          <a:xfrm>
+            <a:off x="5041813" y="2527887"/>
+            <a:ext cx="4102187" cy="691252"/>
+          </a:xfrm>
+          <a:prstGeom prst="rect">
+            <a:avLst/>
+          </a:prstGeom>
+        </p:spPr>
+      </p:pic>
     </p:spTree>
   </p:cSld>
   <p:clrMapOvr>
@@ -9381,11 +9550,17 @@
         <p:nvGraphicFramePr>
           <p:cNvPr id="79" name="Google Shape;79;p17"/>
           <p:cNvGraphicFramePr/>
-          <p:nvPr/>
+          <p:nvPr>
+            <p:extLst>
+              <p:ext uri="{D42A27DB-BD31-4B8C-83A1-F6EECF244321}">
+                <p14:modId xmlns:p14="http://schemas.microsoft.com/office/powerpoint/2010/main" val="2928788345"/>
+              </p:ext>
+            </p:extLst>
+          </p:nvPr>
         </p:nvGraphicFramePr>
         <p:xfrm>
-          <a:off x="382475" y="1267725"/>
-          <a:ext cx="8520600" cy="914340"/>
+          <a:off x="311700" y="3966985"/>
+          <a:ext cx="8520600" cy="1257206"/>
         </p:xfrm>
         <a:graphic>
           <a:graphicData uri="http://schemas.openxmlformats.org/drawingml/2006/table">
@@ -9410,7 +9585,7 @@
                   </a:extLst>
                 </a:gridCol>
               </a:tblGrid>
-              <a:tr h="381000">
+              <a:tr h="376479">
                 <a:tc>
                   <a:txBody>
                     <a:bodyPr/>
@@ -9426,10 +9601,10 @@
                         <a:buNone/>
                       </a:pPr>
                       <a:r>
-                        <a:rPr lang="en" sz="1800" b="1"/>
+                        <a:rPr lang="en" sz="1800" b="1" dirty="0"/>
                         <a:t>Test Case</a:t>
                       </a:r>
-                      <a:endParaRPr sz="1800" b="1"/>
+                      <a:endParaRPr sz="1800" b="1" dirty="0"/>
                     </a:p>
                   </a:txBody>
                   <a:tcPr marL="91425" marR="91425" marT="91425" marB="91425">
@@ -9471,7 +9646,7 @@
                   </a:ext>
                 </a:extLst>
               </a:tr>
-              <a:tr h="396200">
+              <a:tr h="800036">
                 <a:tc>
                   <a:txBody>
                     <a:bodyPr/>
@@ -9486,7 +9661,11 @@
                         </a:spcAft>
                         <a:buNone/>
                       </a:pPr>
-                      <a:endParaRPr sz="1800"/>
+                      <a:r>
+                        <a:rPr lang="en-US" sz="1800" dirty="0"/>
+                        <a:t>Run Program </a:t>
+                      </a:r>
+                      <a:endParaRPr sz="1800" dirty="0"/>
                     </a:p>
                   </a:txBody>
                   <a:tcPr marL="91425" marR="91425" marT="91425" marB="91425"/>
@@ -9505,7 +9684,15 @@
                         </a:spcAft>
                         <a:buNone/>
                       </a:pPr>
-                      <a:endParaRPr sz="1800"/>
+                      <a:r>
+                        <a:rPr lang="en-US" sz="1600" dirty="0"/>
+                        <a:t>Main and welcome run correctly. Welcome message prints with random name</a:t>
+                      </a:r>
+                      <a:r>
+                        <a:rPr lang="en-US" sz="1800" dirty="0"/>
+                        <a:t>. </a:t>
+                      </a:r>
+                      <a:endParaRPr sz="1800" dirty="0"/>
                     </a:p>
                   </a:txBody>
                   <a:tcPr marL="91425" marR="91425" marT="91425" marB="91425"/>
@@ -9520,6 +9707,66 @@
           </a:graphicData>
         </a:graphic>
       </p:graphicFrame>
+      <p:pic>
+        <p:nvPicPr>
+          <p:cNvPr id="2" name="Picture 1">
+            <a:extLst>
+              <a:ext uri="{FF2B5EF4-FFF2-40B4-BE49-F238E27FC236}">
+                <a16:creationId xmlns:a16="http://schemas.microsoft.com/office/drawing/2014/main" id="{84566CE4-D70B-4433-B999-E0D46D551AD7}"/>
+              </a:ext>
+            </a:extLst>
+          </p:cNvPr>
+          <p:cNvPicPr>
+            <a:picLocks noChangeAspect="1"/>
+          </p:cNvPicPr>
+          <p:nvPr/>
+        </p:nvPicPr>
+        <p:blipFill>
+          <a:blip r:embed="rId3"/>
+          <a:stretch>
+            <a:fillRect/>
+          </a:stretch>
+        </p:blipFill>
+        <p:spPr>
+          <a:xfrm>
+            <a:off x="311700" y="1017725"/>
+            <a:ext cx="3853006" cy="2792210"/>
+          </a:xfrm>
+          <a:prstGeom prst="rect">
+            <a:avLst/>
+          </a:prstGeom>
+        </p:spPr>
+      </p:pic>
+      <p:pic>
+        <p:nvPicPr>
+          <p:cNvPr id="3" name="Picture 2">
+            <a:extLst>
+              <a:ext uri="{FF2B5EF4-FFF2-40B4-BE49-F238E27FC236}">
+                <a16:creationId xmlns:a16="http://schemas.microsoft.com/office/drawing/2014/main" id="{6FC754F2-550D-4947-BECC-87FE646FCFBD}"/>
+              </a:ext>
+            </a:extLst>
+          </p:cNvPr>
+          <p:cNvPicPr>
+            <a:picLocks noChangeAspect="1"/>
+          </p:cNvPicPr>
+          <p:nvPr/>
+        </p:nvPicPr>
+        <p:blipFill>
+          <a:blip r:embed="rId4"/>
+          <a:stretch>
+            <a:fillRect/>
+          </a:stretch>
+        </p:blipFill>
+        <p:spPr>
+          <a:xfrm>
+            <a:off x="4305842" y="3171600"/>
+            <a:ext cx="4657748" cy="627942"/>
+          </a:xfrm>
+          <a:prstGeom prst="rect">
+            <a:avLst/>
+          </a:prstGeom>
+        </p:spPr>
+      </p:pic>
     </p:spTree>
     <p:extLst>
       <p:ext uri="{BB962C8B-B14F-4D97-AF65-F5344CB8AC3E}">

--- a/Tymara Manu Fepale - 000_91896 _ 91897 Documentation - 2444936.pptx
+++ b/Tymara Manu Fepale - 000_91896 _ 91897 Documentation - 2444936.pptx
@@ -8177,14 +8177,23 @@
               <a:buNone/>
             </a:pPr>
             <a:r>
-              <a:rPr lang="en" sz="2000" b="1">
+              <a:rPr lang="en" sz="2000" b="1" dirty="0">
                 <a:solidFill>
                   <a:srgbClr val="274E13"/>
                 </a:solidFill>
               </a:rPr>
               <a:t>Link to github Repository: </a:t>
             </a:r>
-            <a:endParaRPr sz="2000" b="1">
+            <a:r>
+              <a:rPr lang="en-US" sz="2000" b="1" dirty="0" err="1">
+                <a:solidFill>
+                  <a:srgbClr val="274E13"/>
+                </a:solidFill>
+                <a:hlinkClick r:id="rId3"/>
+              </a:rPr>
+              <a:t>Github</a:t>
+            </a:r>
+            <a:endParaRPr sz="2000" b="1" dirty="0">
               <a:solidFill>
                 <a:srgbClr val="274E13"/>
               </a:solidFill>
@@ -8208,7 +8217,7 @@
               <a:buFont typeface="Arial"/>
               <a:buNone/>
             </a:pPr>
-            <a:endParaRPr sz="2000">
+            <a:endParaRPr sz="2000" dirty="0">
               <a:solidFill>
                 <a:srgbClr val="274E13"/>
               </a:solidFill>
@@ -8233,14 +8242,23 @@
               <a:buNone/>
             </a:pPr>
             <a:r>
-              <a:rPr lang="en" sz="2000" b="1">
+              <a:rPr lang="en" sz="2000" b="1" dirty="0">
                 <a:solidFill>
                   <a:srgbClr val="274E13"/>
                 </a:solidFill>
               </a:rPr>
-              <a:t>Links to trello board / project management tools:</a:t>
+              <a:t>Links to trello board / project management tools: </a:t>
             </a:r>
-            <a:endParaRPr sz="2000"/>
+            <a:r>
+              <a:rPr lang="en-US" sz="2000" b="1" dirty="0">
+                <a:solidFill>
+                  <a:srgbClr val="274E13"/>
+                </a:solidFill>
+                <a:hlinkClick r:id="rId4"/>
+              </a:rPr>
+              <a:t>Trello Board</a:t>
+            </a:r>
+            <a:endParaRPr sz="2000" dirty="0"/>
           </a:p>
         </p:txBody>
       </p:sp>
@@ -9014,20 +9032,16 @@
             </a:pPr>
             <a:r>
               <a:rPr lang="en" dirty="0"/>
-              <a:t>Component 1 (Trello </a:t>
-            </a:r>
-            <a:r>
-              <a:rPr lang="en"/>
-              <a:t>screenshot)</a:t>
+              <a:t>Component 1 (Trello screenshot)</a:t>
             </a:r>
             <a:br>
-              <a:rPr lang="en"/>
+              <a:rPr lang="en" dirty="0"/>
             </a:br>
             <a:br>
-              <a:rPr lang="en"/>
+              <a:rPr lang="en" dirty="0"/>
             </a:br>
             <a:r>
-              <a:rPr lang="en"/>
+              <a:rPr lang="en" dirty="0"/>
               <a:t>Version 1                           Version 2</a:t>
             </a:r>
             <a:endParaRPr dirty="0"/>
